--- a/public/user/output/U201812791-刘棫欣-1.《喜马拉雅FM免费增值策略对用户留存的影响的实证研究》/output_5_0.pptx
+++ b/public/user/output/U201812791-刘棫欣-1.《喜马拉雅FM免费增值策略对用户留存的影响的实证研究》/output_5_0.pptx
@@ -3799,7 +3799,7 @@
               </a:defRPr>
             </a:pPr>
             <a:r>
-              <a:t>数据与样本</a:t>
+              <a:t>3 研究场景与数据描述</a:t>
             </a:r>
             <a:endParaRPr kumimoji="0" lang="zh-CN" altLang="en-US" sz="4400" b="0" i="0" u="none" strike="noStrike" kern="1200" cap="none" spc="0" normalizeH="0" baseline="0" noProof="0" dirty="0">
               <a:ln>
